--- a/spring13/slides13/simple-isomorphism.pptx
+++ b/spring13/slides13/simple-isomorphism.pptx
@@ -3098,37 +3098,19 @@
               <a:rPr lang="en-US" sz="1200" dirty="0" smtClean="0">
                 <a:latin typeface="Comic Sans MS" pitchFamily="66" charset="0"/>
               </a:rPr>
-              <a:t>Meyer     </a:t>
+              <a:t>Meyer     April</a:t>
+            </a:r>
+            <a:r>
+              <a:rPr lang="en-US" sz="1200" baseline="0" dirty="0" smtClean="0">
+                <a:latin typeface="Comic Sans MS" pitchFamily="66" charset="0"/>
+              </a:rPr>
+              <a:t> 1,</a:t>
             </a:r>
             <a:r>
               <a:rPr lang="en-US" sz="1200" dirty="0" smtClean="0">
                 <a:latin typeface="Comic Sans MS" pitchFamily="66" charset="0"/>
               </a:rPr>
-              <a:t>April</a:t>
-            </a:r>
-            <a:r>
-              <a:rPr lang="en-US" sz="1200" baseline="0" dirty="0" smtClean="0">
-                <a:latin typeface="Comic Sans MS" pitchFamily="66" charset="0"/>
-              </a:rPr>
-              <a:t> 1</a:t>
-            </a:r>
-            <a:r>
-              <a:rPr lang="en-US" sz="1200" baseline="0" dirty="0" smtClean="0">
-                <a:latin typeface="Comic Sans MS" pitchFamily="66" charset="0"/>
-              </a:rPr>
-              <a:t>,</a:t>
-            </a:r>
-            <a:r>
-              <a:rPr lang="en-US" sz="1200" dirty="0" smtClean="0">
-                <a:latin typeface="Comic Sans MS" pitchFamily="66" charset="0"/>
-              </a:rPr>
-              <a:t> </a:t>
-            </a:r>
-            <a:r>
-              <a:rPr lang="en-US" sz="1200" dirty="0" smtClean="0">
-                <a:latin typeface="Comic Sans MS" pitchFamily="66" charset="0"/>
-              </a:rPr>
-              <a:t>2013</a:t>
+              <a:t> 2013</a:t>
             </a:r>
             <a:endParaRPr lang="en-US" sz="1200" dirty="0">
               <a:latin typeface="Comic Sans MS" pitchFamily="66" charset="0"/>
